--- a/EDA.pptx
+++ b/EDA.pptx
@@ -6370,6 +6370,10 @@
               <a:rPr lang="en-US" dirty="0"/>
               <a:t>Model evaluation metrics</a:t>
             </a:r>
+            <a:br>
+              <a:rPr lang="en-US" dirty="0"/>
+            </a:br>
+            <a:endParaRPr lang="en-US" dirty="0"/>
           </a:p>
         </p:txBody>
       </p:sp>
@@ -7139,6 +7143,10 @@
               <a:rPr lang="en-US" dirty="0"/>
               <a:t>Model evaluation metrics</a:t>
             </a:r>
+            <a:br>
+              <a:rPr lang="en-US" dirty="0"/>
+            </a:br>
+            <a:endParaRPr lang="en-US" dirty="0"/>
           </a:p>
         </p:txBody>
       </p:sp>
@@ -7158,7 +7166,12 @@
             <p:ph idx="1"/>
           </p:nvPr>
         </p:nvSpPr>
-        <p:spPr/>
+        <p:spPr>
+          <a:xfrm>
+            <a:off x="1484311" y="2314575"/>
+            <a:ext cx="10018713" cy="3124201"/>
+          </a:xfrm>
+        </p:spPr>
         <p:txBody>
           <a:bodyPr/>
           <a:lstStyle/>
@@ -7835,6 +7848,10 @@
               <a:rPr lang="en-US" dirty="0"/>
               <a:t>Multiple Linear Regression for Monthly Income</a:t>
             </a:r>
+            <a:br>
+              <a:rPr lang="en-US" dirty="0"/>
+            </a:br>
+            <a:endParaRPr lang="en-US" dirty="0"/>
           </a:p>
         </p:txBody>
       </p:sp>
@@ -7892,8 +7909,8 @@
         </p:blipFill>
         <p:spPr>
           <a:xfrm>
-            <a:off x="1823938" y="1858779"/>
-            <a:ext cx="4466674" cy="3069803"/>
+            <a:off x="1823938" y="1539239"/>
+            <a:ext cx="4931616" cy="3389343"/>
           </a:xfrm>
           <a:prstGeom prst="rect">
             <a:avLst/>
@@ -7985,6 +8002,10 @@
               <a:rPr lang="en-US" dirty="0"/>
               <a:t>Summary</a:t>
             </a:r>
+            <a:br>
+              <a:rPr lang="en-US" dirty="0"/>
+            </a:br>
+            <a:endParaRPr lang="en-US" dirty="0"/>
           </a:p>
         </p:txBody>
       </p:sp>
@@ -8006,8 +8027,8 @@
         </p:nvSpPr>
         <p:spPr>
           <a:xfrm>
-            <a:off x="1484310" y="2026508"/>
-            <a:ext cx="10018713" cy="4473145"/>
+            <a:off x="1484310" y="1791730"/>
+            <a:ext cx="10018713" cy="4707923"/>
           </a:xfrm>
         </p:spPr>
         <p:txBody>
@@ -8120,6 +8141,10 @@
               <a:rPr lang="en-US" dirty="0"/>
               <a:t>Introduction</a:t>
             </a:r>
+            <a:br>
+              <a:rPr lang="en-US" dirty="0"/>
+            </a:br>
+            <a:endParaRPr lang="en-US" dirty="0"/>
           </a:p>
         </p:txBody>
       </p:sp>
@@ -8337,6 +8362,10 @@
               <a:rPr lang="en-US" dirty="0"/>
               <a:t>Job specific trends:</a:t>
             </a:r>
+            <a:br>
+              <a:rPr lang="en-US" dirty="0"/>
+            </a:br>
+            <a:endParaRPr lang="en-US" dirty="0"/>
           </a:p>
         </p:txBody>
       </p:sp>
@@ -8370,8 +8399,8 @@
         </p:blipFill>
         <p:spPr>
           <a:xfrm>
-            <a:off x="2999176" y="1923537"/>
-            <a:ext cx="6988982" cy="4992130"/>
+            <a:off x="2817531" y="1606378"/>
+            <a:ext cx="7352271" cy="5251622"/>
           </a:xfrm>
         </p:spPr>
       </p:pic>
@@ -8430,6 +8459,10 @@
               <a:rPr lang="en-US" dirty="0"/>
               <a:t>Educational Impact on Attrition</a:t>
             </a:r>
+            <a:br>
+              <a:rPr lang="en-US" dirty="0"/>
+            </a:br>
+            <a:endParaRPr lang="en-US" dirty="0"/>
           </a:p>
         </p:txBody>
       </p:sp>
@@ -8457,8 +8490,8 @@
         </p:blipFill>
         <p:spPr>
           <a:xfrm>
-            <a:off x="3114915" y="2007316"/>
-            <a:ext cx="6757503" cy="4850684"/>
+            <a:off x="2781282" y="1536756"/>
+            <a:ext cx="7413042" cy="5321244"/>
           </a:xfrm>
           <a:prstGeom prst="rect">
             <a:avLst/>
@@ -8520,6 +8553,10 @@
               <a:rPr lang="en-US" dirty="0"/>
               <a:t>Job Role Impact on Attrition</a:t>
             </a:r>
+            <a:br>
+              <a:rPr lang="en-US" dirty="0"/>
+            </a:br>
+            <a:endParaRPr lang="en-US" dirty="0"/>
           </a:p>
         </p:txBody>
       </p:sp>
@@ -8545,8 +8582,8 @@
         </p:blipFill>
         <p:spPr>
           <a:xfrm>
-            <a:off x="2931059" y="1751011"/>
-            <a:ext cx="7125215" cy="5106989"/>
+            <a:off x="2769824" y="1519881"/>
+            <a:ext cx="7447685" cy="5338119"/>
           </a:xfrm>
           <a:prstGeom prst="rect">
             <a:avLst/>
@@ -8612,6 +8649,10 @@
               <a:rPr lang="en-US" dirty="0"/>
               <a:t> Employee Information on Attrition</a:t>
             </a:r>
+            <a:br>
+              <a:rPr lang="en-US" dirty="0"/>
+            </a:br>
+            <a:endParaRPr lang="en-US" dirty="0"/>
           </a:p>
         </p:txBody>
       </p:sp>
@@ -8637,8 +8678,8 @@
         </p:blipFill>
         <p:spPr>
           <a:xfrm>
-            <a:off x="2977978" y="1818753"/>
-            <a:ext cx="7039361" cy="5039247"/>
+            <a:off x="2792627" y="1550523"/>
+            <a:ext cx="7414054" cy="5307477"/>
           </a:xfrm>
           <a:prstGeom prst="rect">
             <a:avLst/>

--- a/EDA.pptx
+++ b/EDA.pptx
@@ -16,10 +16,10 @@
     <p:sldId id="264" r:id="rId10"/>
     <p:sldId id="265" r:id="rId11"/>
     <p:sldId id="270" r:id="rId12"/>
-    <p:sldId id="266" r:id="rId13"/>
-    <p:sldId id="268" r:id="rId14"/>
-    <p:sldId id="267" r:id="rId15"/>
-    <p:sldId id="269" r:id="rId16"/>
+    <p:sldId id="268" r:id="rId13"/>
+    <p:sldId id="267" r:id="rId14"/>
+    <p:sldId id="269" r:id="rId15"/>
+    <p:sldId id="266" r:id="rId16"/>
     <p:sldId id="271" r:id="rId17"/>
     <p:sldId id="272" r:id="rId18"/>
     <p:sldId id="273" r:id="rId19"/>
@@ -6456,160 +6456,6 @@
           <a:chExt cx="0" cy="0"/>
         </a:xfrm>
       </p:grpSpPr>
-      <p:pic>
-        <p:nvPicPr>
-          <p:cNvPr id="6" name="Picture 5">
-            <a:extLst>
-              <a:ext uri="{FF2B5EF4-FFF2-40B4-BE49-F238E27FC236}">
-                <a16:creationId xmlns:a16="http://schemas.microsoft.com/office/drawing/2014/main" id="{B76B16B0-E741-4038-BE76-6A8E7EBEDBDD}"/>
-              </a:ext>
-            </a:extLst>
-          </p:cNvPr>
-          <p:cNvPicPr>
-            <a:picLocks noChangeAspect="1"/>
-          </p:cNvPicPr>
-          <p:nvPr/>
-        </p:nvPicPr>
-        <p:blipFill>
-          <a:blip r:embed="rId2"/>
-          <a:stretch>
-            <a:fillRect/>
-          </a:stretch>
-        </p:blipFill>
-        <p:spPr>
-          <a:xfrm>
-            <a:off x="3014002" y="5653993"/>
-            <a:ext cx="8489022" cy="1204008"/>
-          </a:xfrm>
-          <a:prstGeom prst="rect">
-            <a:avLst/>
-          </a:prstGeom>
-        </p:spPr>
-      </p:pic>
-      <p:sp>
-        <p:nvSpPr>
-          <p:cNvPr id="2" name="Title 1">
-            <a:extLst>
-              <a:ext uri="{FF2B5EF4-FFF2-40B4-BE49-F238E27FC236}">
-                <a16:creationId xmlns:a16="http://schemas.microsoft.com/office/drawing/2014/main" id="{A991C1D3-B4EA-4108-980B-2AA2645E5491}"/>
-              </a:ext>
-            </a:extLst>
-          </p:cNvPr>
-          <p:cNvSpPr>
-            <a:spLocks noGrp="1"/>
-          </p:cNvSpPr>
-          <p:nvPr>
-            <p:ph type="title"/>
-          </p:nvPr>
-        </p:nvSpPr>
-        <p:spPr/>
-        <p:txBody>
-          <a:bodyPr/>
-          <a:lstStyle/>
-          <a:p>
-            <a:r>
-              <a:rPr lang="en-US" dirty="0"/>
-              <a:t>Machine Learning (KNN)</a:t>
-            </a:r>
-            <a:br>
-              <a:rPr lang="en-US" dirty="0"/>
-            </a:br>
-            <a:endParaRPr lang="en-US" dirty="0"/>
-          </a:p>
-        </p:txBody>
-      </p:sp>
-      <p:pic>
-        <p:nvPicPr>
-          <p:cNvPr id="5" name="Content Placeholder 4">
-            <a:extLst>
-              <a:ext uri="{FF2B5EF4-FFF2-40B4-BE49-F238E27FC236}">
-                <a16:creationId xmlns:a16="http://schemas.microsoft.com/office/drawing/2014/main" id="{92522033-3E13-486B-AFE8-D45FE663E3A7}"/>
-              </a:ext>
-            </a:extLst>
-          </p:cNvPr>
-          <p:cNvPicPr>
-            <a:picLocks noGrp="1" noChangeAspect="1"/>
-          </p:cNvPicPr>
-          <p:nvPr>
-            <p:ph idx="1"/>
-          </p:nvPr>
-        </p:nvPicPr>
-        <p:blipFill>
-          <a:blip r:embed="rId3"/>
-          <a:stretch>
-            <a:fillRect/>
-          </a:stretch>
-        </p:blipFill>
-        <p:spPr>
-          <a:xfrm>
-            <a:off x="5758875" y="1627168"/>
-            <a:ext cx="5744147" cy="4026825"/>
-          </a:xfrm>
-          <a:prstGeom prst="rect">
-            <a:avLst/>
-          </a:prstGeom>
-        </p:spPr>
-      </p:pic>
-      <p:pic>
-        <p:nvPicPr>
-          <p:cNvPr id="8" name="Picture 7">
-            <a:extLst>
-              <a:ext uri="{FF2B5EF4-FFF2-40B4-BE49-F238E27FC236}">
-                <a16:creationId xmlns:a16="http://schemas.microsoft.com/office/drawing/2014/main" id="{DFBD1418-71E5-4B8C-BBE0-41FEB1DF458E}"/>
-              </a:ext>
-            </a:extLst>
-          </p:cNvPr>
-          <p:cNvPicPr>
-            <a:picLocks noChangeAspect="1"/>
-          </p:cNvPicPr>
-          <p:nvPr/>
-        </p:nvPicPr>
-        <p:blipFill>
-          <a:blip r:embed="rId4"/>
-          <a:stretch>
-            <a:fillRect/>
-          </a:stretch>
-        </p:blipFill>
-        <p:spPr>
-          <a:xfrm>
-            <a:off x="3014002" y="1623989"/>
-            <a:ext cx="2744873" cy="4030004"/>
-          </a:xfrm>
-          <a:prstGeom prst="rect">
-            <a:avLst/>
-          </a:prstGeom>
-        </p:spPr>
-      </p:pic>
-    </p:spTree>
-    <p:extLst>
-      <p:ext uri="{BB962C8B-B14F-4D97-AF65-F5344CB8AC3E}">
-        <p14:creationId xmlns:p14="http://schemas.microsoft.com/office/powerpoint/2010/main" val="808076046"/>
-      </p:ext>
-    </p:extLst>
-  </p:cSld>
-  <p:clrMapOvr>
-    <a:masterClrMapping/>
-  </p:clrMapOvr>
-</p:sld>
-</file>
-
-<file path=ppt/slides/slide13.xml><?xml version="1.0" encoding="utf-8"?>
-<p:sld xmlns:a="http://schemas.openxmlformats.org/drawingml/2006/main" xmlns:r="http://schemas.openxmlformats.org/officeDocument/2006/relationships" xmlns:p="http://schemas.openxmlformats.org/presentationml/2006/main">
-  <p:cSld>
-    <p:spTree>
-      <p:nvGrpSpPr>
-        <p:cNvPr id="1" name=""/>
-        <p:cNvGrpSpPr/>
-        <p:nvPr/>
-      </p:nvGrpSpPr>
-      <p:grpSpPr>
-        <a:xfrm>
-          <a:off x="0" y="0"/>
-          <a:ext cx="0" cy="0"/>
-          <a:chOff x="0" y="0"/>
-          <a:chExt cx="0" cy="0"/>
-        </a:xfrm>
-      </p:grpSpPr>
       <p:sp>
         <p:nvSpPr>
           <p:cNvPr id="2" name="Title 1">
@@ -6776,6 +6622,162 @@
           </a:prstGeom>
         </p:spPr>
       </p:pic>
+      <p:sp>
+        <p:nvSpPr>
+          <p:cNvPr id="11" name="Rectangle 10">
+            <a:extLst>
+              <a:ext uri="{FF2B5EF4-FFF2-40B4-BE49-F238E27FC236}">
+                <a16:creationId xmlns:a16="http://schemas.microsoft.com/office/drawing/2014/main" id="{5944159B-1A5F-4C12-AD3C-37EF441299FF}"/>
+              </a:ext>
+            </a:extLst>
+          </p:cNvPr>
+          <p:cNvSpPr/>
+          <p:nvPr/>
+        </p:nvSpPr>
+        <p:spPr>
+          <a:xfrm>
+            <a:off x="11277600" y="5634681"/>
+            <a:ext cx="819665" cy="1112108"/>
+          </a:xfrm>
+          <a:prstGeom prst="rect">
+            <a:avLst/>
+          </a:prstGeom>
+          <a:noFill/>
+          <a:ln>
+            <a:solidFill>
+              <a:srgbClr val="FF0000"/>
+            </a:solidFill>
+          </a:ln>
+        </p:spPr>
+        <p:style>
+          <a:lnRef idx="2">
+            <a:schemeClr val="accent1">
+              <a:shade val="50000"/>
+            </a:schemeClr>
+          </a:lnRef>
+          <a:fillRef idx="1">
+            <a:schemeClr val="accent1"/>
+          </a:fillRef>
+          <a:effectRef idx="0">
+            <a:schemeClr val="accent1"/>
+          </a:effectRef>
+          <a:fontRef idx="minor">
+            <a:schemeClr val="lt1"/>
+          </a:fontRef>
+        </p:style>
+        <p:txBody>
+          <a:bodyPr rtlCol="0" anchor="ctr"/>
+          <a:lstStyle/>
+          <a:p>
+            <a:pPr algn="ctr"/>
+            <a:endParaRPr lang="en-US"/>
+          </a:p>
+        </p:txBody>
+      </p:sp>
+      <p:sp>
+        <p:nvSpPr>
+          <p:cNvPr id="12" name="Rectangle 11">
+            <a:extLst>
+              <a:ext uri="{FF2B5EF4-FFF2-40B4-BE49-F238E27FC236}">
+                <a16:creationId xmlns:a16="http://schemas.microsoft.com/office/drawing/2014/main" id="{39755AE5-4E63-4FEE-8749-E91892F7B3A9}"/>
+              </a:ext>
+            </a:extLst>
+          </p:cNvPr>
+          <p:cNvSpPr/>
+          <p:nvPr/>
+        </p:nvSpPr>
+        <p:spPr>
+          <a:xfrm>
+            <a:off x="4489364" y="2990335"/>
+            <a:ext cx="2168609" cy="438665"/>
+          </a:xfrm>
+          <a:prstGeom prst="rect">
+            <a:avLst/>
+          </a:prstGeom>
+          <a:noFill/>
+          <a:ln>
+            <a:solidFill>
+              <a:srgbClr val="FF0000"/>
+            </a:solidFill>
+          </a:ln>
+        </p:spPr>
+        <p:style>
+          <a:lnRef idx="2">
+            <a:schemeClr val="accent1">
+              <a:shade val="50000"/>
+            </a:schemeClr>
+          </a:lnRef>
+          <a:fillRef idx="1">
+            <a:schemeClr val="accent1"/>
+          </a:fillRef>
+          <a:effectRef idx="0">
+            <a:schemeClr val="accent1"/>
+          </a:effectRef>
+          <a:fontRef idx="minor">
+            <a:schemeClr val="lt1"/>
+          </a:fontRef>
+        </p:style>
+        <p:txBody>
+          <a:bodyPr rtlCol="0" anchor="ctr"/>
+          <a:lstStyle/>
+          <a:p>
+            <a:pPr algn="ctr"/>
+            <a:endParaRPr lang="en-US"/>
+          </a:p>
+        </p:txBody>
+      </p:sp>
+      <p:sp>
+        <p:nvSpPr>
+          <p:cNvPr id="13" name="Rectangle 12">
+            <a:extLst>
+              <a:ext uri="{FF2B5EF4-FFF2-40B4-BE49-F238E27FC236}">
+                <a16:creationId xmlns:a16="http://schemas.microsoft.com/office/drawing/2014/main" id="{9027A837-4B62-42AC-BD14-47C57E071ECE}"/>
+              </a:ext>
+            </a:extLst>
+          </p:cNvPr>
+          <p:cNvSpPr/>
+          <p:nvPr/>
+        </p:nvSpPr>
+        <p:spPr>
+          <a:xfrm>
+            <a:off x="4110424" y="4829264"/>
+            <a:ext cx="2168609" cy="438665"/>
+          </a:xfrm>
+          <a:prstGeom prst="rect">
+            <a:avLst/>
+          </a:prstGeom>
+          <a:noFill/>
+          <a:ln>
+            <a:solidFill>
+              <a:srgbClr val="FF0000"/>
+            </a:solidFill>
+          </a:ln>
+        </p:spPr>
+        <p:style>
+          <a:lnRef idx="2">
+            <a:schemeClr val="accent1">
+              <a:shade val="50000"/>
+            </a:schemeClr>
+          </a:lnRef>
+          <a:fillRef idx="1">
+            <a:schemeClr val="accent1"/>
+          </a:fillRef>
+          <a:effectRef idx="0">
+            <a:schemeClr val="accent1"/>
+          </a:effectRef>
+          <a:fontRef idx="minor">
+            <a:schemeClr val="lt1"/>
+          </a:fontRef>
+        </p:style>
+        <p:txBody>
+          <a:bodyPr rtlCol="0" anchor="ctr"/>
+          <a:lstStyle/>
+          <a:p>
+            <a:pPr algn="ctr"/>
+            <a:endParaRPr lang="en-US"/>
+          </a:p>
+        </p:txBody>
+      </p:sp>
     </p:spTree>
     <p:extLst>
       <p:ext uri="{BB962C8B-B14F-4D97-AF65-F5344CB8AC3E}">
@@ -6789,7 +6791,7 @@
 </p:sld>
 </file>
 
-<file path=ppt/slides/slide14.xml><?xml version="1.0" encoding="utf-8"?>
+<file path=ppt/slides/slide13.xml><?xml version="1.0" encoding="utf-8"?>
 <p:sld xmlns:a="http://schemas.openxmlformats.org/drawingml/2006/main" xmlns:r="http://schemas.openxmlformats.org/officeDocument/2006/relationships" xmlns:p="http://schemas.openxmlformats.org/presentationml/2006/main">
   <p:cSld>
     <p:spTree>
@@ -6966,6 +6968,162 @@
           </a:prstGeom>
         </p:spPr>
       </p:pic>
+      <p:sp>
+        <p:nvSpPr>
+          <p:cNvPr id="11" name="Rectangle 10">
+            <a:extLst>
+              <a:ext uri="{FF2B5EF4-FFF2-40B4-BE49-F238E27FC236}">
+                <a16:creationId xmlns:a16="http://schemas.microsoft.com/office/drawing/2014/main" id="{09FE17A7-28E1-4226-AF85-BE23E2D753D9}"/>
+              </a:ext>
+            </a:extLst>
+          </p:cNvPr>
+          <p:cNvSpPr/>
+          <p:nvPr/>
+        </p:nvSpPr>
+        <p:spPr>
+          <a:xfrm>
+            <a:off x="11277600" y="5634681"/>
+            <a:ext cx="819665" cy="1112108"/>
+          </a:xfrm>
+          <a:prstGeom prst="rect">
+            <a:avLst/>
+          </a:prstGeom>
+          <a:noFill/>
+          <a:ln>
+            <a:solidFill>
+              <a:srgbClr val="FF0000"/>
+            </a:solidFill>
+          </a:ln>
+        </p:spPr>
+        <p:style>
+          <a:lnRef idx="2">
+            <a:schemeClr val="accent1">
+              <a:shade val="50000"/>
+            </a:schemeClr>
+          </a:lnRef>
+          <a:fillRef idx="1">
+            <a:schemeClr val="accent1"/>
+          </a:fillRef>
+          <a:effectRef idx="0">
+            <a:schemeClr val="accent1"/>
+          </a:effectRef>
+          <a:fontRef idx="minor">
+            <a:schemeClr val="lt1"/>
+          </a:fontRef>
+        </p:style>
+        <p:txBody>
+          <a:bodyPr rtlCol="0" anchor="ctr"/>
+          <a:lstStyle/>
+          <a:p>
+            <a:pPr algn="ctr"/>
+            <a:endParaRPr lang="en-US"/>
+          </a:p>
+        </p:txBody>
+      </p:sp>
+      <p:sp>
+        <p:nvSpPr>
+          <p:cNvPr id="12" name="Rectangle 11">
+            <a:extLst>
+              <a:ext uri="{FF2B5EF4-FFF2-40B4-BE49-F238E27FC236}">
+                <a16:creationId xmlns:a16="http://schemas.microsoft.com/office/drawing/2014/main" id="{9C3F6553-A6BC-4076-AB8B-4AA4C8179F18}"/>
+              </a:ext>
+            </a:extLst>
+          </p:cNvPr>
+          <p:cNvSpPr/>
+          <p:nvPr/>
+        </p:nvSpPr>
+        <p:spPr>
+          <a:xfrm>
+            <a:off x="4151871" y="4744994"/>
+            <a:ext cx="2017154" cy="501499"/>
+          </a:xfrm>
+          <a:prstGeom prst="rect">
+            <a:avLst/>
+          </a:prstGeom>
+          <a:noFill/>
+          <a:ln>
+            <a:solidFill>
+              <a:srgbClr val="FF0000"/>
+            </a:solidFill>
+          </a:ln>
+        </p:spPr>
+        <p:style>
+          <a:lnRef idx="2">
+            <a:schemeClr val="accent1">
+              <a:shade val="50000"/>
+            </a:schemeClr>
+          </a:lnRef>
+          <a:fillRef idx="1">
+            <a:schemeClr val="accent1"/>
+          </a:fillRef>
+          <a:effectRef idx="0">
+            <a:schemeClr val="accent1"/>
+          </a:effectRef>
+          <a:fontRef idx="minor">
+            <a:schemeClr val="lt1"/>
+          </a:fontRef>
+        </p:style>
+        <p:txBody>
+          <a:bodyPr rtlCol="0" anchor="ctr"/>
+          <a:lstStyle/>
+          <a:p>
+            <a:pPr algn="ctr"/>
+            <a:endParaRPr lang="en-US"/>
+          </a:p>
+        </p:txBody>
+      </p:sp>
+      <p:sp>
+        <p:nvSpPr>
+          <p:cNvPr id="13" name="Rectangle 12">
+            <a:extLst>
+              <a:ext uri="{FF2B5EF4-FFF2-40B4-BE49-F238E27FC236}">
+                <a16:creationId xmlns:a16="http://schemas.microsoft.com/office/drawing/2014/main" id="{41DA3945-D070-4D74-BF66-D1132716881B}"/>
+              </a:ext>
+            </a:extLst>
+          </p:cNvPr>
+          <p:cNvSpPr/>
+          <p:nvPr/>
+        </p:nvSpPr>
+        <p:spPr>
+          <a:xfrm>
+            <a:off x="4563762" y="2927501"/>
+            <a:ext cx="2170412" cy="501499"/>
+          </a:xfrm>
+          <a:prstGeom prst="rect">
+            <a:avLst/>
+          </a:prstGeom>
+          <a:noFill/>
+          <a:ln>
+            <a:solidFill>
+              <a:srgbClr val="FF0000"/>
+            </a:solidFill>
+          </a:ln>
+        </p:spPr>
+        <p:style>
+          <a:lnRef idx="2">
+            <a:schemeClr val="accent1">
+              <a:shade val="50000"/>
+            </a:schemeClr>
+          </a:lnRef>
+          <a:fillRef idx="1">
+            <a:schemeClr val="accent1"/>
+          </a:fillRef>
+          <a:effectRef idx="0">
+            <a:schemeClr val="accent1"/>
+          </a:effectRef>
+          <a:fontRef idx="minor">
+            <a:schemeClr val="lt1"/>
+          </a:fontRef>
+        </p:style>
+        <p:txBody>
+          <a:bodyPr rtlCol="0" anchor="ctr"/>
+          <a:lstStyle/>
+          <a:p>
+            <a:pPr algn="ctr"/>
+            <a:endParaRPr lang="en-US"/>
+          </a:p>
+        </p:txBody>
+      </p:sp>
     </p:spTree>
     <p:extLst>
       <p:ext uri="{BB962C8B-B14F-4D97-AF65-F5344CB8AC3E}">
@@ -6979,7 +7137,7 @@
 </p:sld>
 </file>
 
-<file path=ppt/slides/slide15.xml><?xml version="1.0" encoding="utf-8"?>
+<file path=ppt/slides/slide14.xml><?xml version="1.0" encoding="utf-8"?>
 <p:sld xmlns:a="http://schemas.openxmlformats.org/drawingml/2006/main" xmlns:r="http://schemas.openxmlformats.org/officeDocument/2006/relationships" xmlns:p="http://schemas.openxmlformats.org/presentationml/2006/main">
   <p:cSld>
     <p:spTree>
@@ -7088,10 +7246,424 @@
           </a:prstGeom>
         </p:spPr>
       </p:pic>
+      <p:sp>
+        <p:nvSpPr>
+          <p:cNvPr id="10" name="Rectangle 9">
+            <a:extLst>
+              <a:ext uri="{FF2B5EF4-FFF2-40B4-BE49-F238E27FC236}">
+                <a16:creationId xmlns:a16="http://schemas.microsoft.com/office/drawing/2014/main" id="{2ED11F18-5F81-451C-9E24-B84855228A24}"/>
+              </a:ext>
+            </a:extLst>
+          </p:cNvPr>
+          <p:cNvSpPr/>
+          <p:nvPr/>
+        </p:nvSpPr>
+        <p:spPr>
+          <a:xfrm>
+            <a:off x="4052199" y="2927501"/>
+            <a:ext cx="2170412" cy="501499"/>
+          </a:xfrm>
+          <a:prstGeom prst="rect">
+            <a:avLst/>
+          </a:prstGeom>
+          <a:noFill/>
+          <a:ln>
+            <a:solidFill>
+              <a:srgbClr val="FF0000"/>
+            </a:solidFill>
+          </a:ln>
+        </p:spPr>
+        <p:style>
+          <a:lnRef idx="2">
+            <a:schemeClr val="accent1">
+              <a:shade val="50000"/>
+            </a:schemeClr>
+          </a:lnRef>
+          <a:fillRef idx="1">
+            <a:schemeClr val="accent1"/>
+          </a:fillRef>
+          <a:effectRef idx="0">
+            <a:schemeClr val="accent1"/>
+          </a:effectRef>
+          <a:fontRef idx="minor">
+            <a:schemeClr val="lt1"/>
+          </a:fontRef>
+        </p:style>
+        <p:txBody>
+          <a:bodyPr rtlCol="0" anchor="ctr"/>
+          <a:lstStyle/>
+          <a:p>
+            <a:pPr algn="ctr"/>
+            <a:endParaRPr lang="en-US"/>
+          </a:p>
+        </p:txBody>
+      </p:sp>
+      <p:sp>
+        <p:nvSpPr>
+          <p:cNvPr id="11" name="Rectangle 10">
+            <a:extLst>
+              <a:ext uri="{FF2B5EF4-FFF2-40B4-BE49-F238E27FC236}">
+                <a16:creationId xmlns:a16="http://schemas.microsoft.com/office/drawing/2014/main" id="{D947A1D7-D166-4DEE-BD64-99C13ECE6D4D}"/>
+              </a:ext>
+            </a:extLst>
+          </p:cNvPr>
+          <p:cNvSpPr/>
+          <p:nvPr/>
+        </p:nvSpPr>
+        <p:spPr>
+          <a:xfrm>
+            <a:off x="3672216" y="4773787"/>
+            <a:ext cx="2170412" cy="501499"/>
+          </a:xfrm>
+          <a:prstGeom prst="rect">
+            <a:avLst/>
+          </a:prstGeom>
+          <a:noFill/>
+          <a:ln>
+            <a:solidFill>
+              <a:srgbClr val="FF0000"/>
+            </a:solidFill>
+          </a:ln>
+        </p:spPr>
+        <p:style>
+          <a:lnRef idx="2">
+            <a:schemeClr val="accent1">
+              <a:shade val="50000"/>
+            </a:schemeClr>
+          </a:lnRef>
+          <a:fillRef idx="1">
+            <a:schemeClr val="accent1"/>
+          </a:fillRef>
+          <a:effectRef idx="0">
+            <a:schemeClr val="accent1"/>
+          </a:effectRef>
+          <a:fontRef idx="minor">
+            <a:schemeClr val="lt1"/>
+          </a:fontRef>
+        </p:style>
+        <p:txBody>
+          <a:bodyPr rtlCol="0" anchor="ctr"/>
+          <a:lstStyle/>
+          <a:p>
+            <a:pPr algn="ctr"/>
+            <a:endParaRPr lang="en-US"/>
+          </a:p>
+        </p:txBody>
+      </p:sp>
     </p:spTree>
     <p:extLst>
       <p:ext uri="{BB962C8B-B14F-4D97-AF65-F5344CB8AC3E}">
         <p14:creationId xmlns:p14="http://schemas.microsoft.com/office/powerpoint/2010/main" val="3185045179"/>
+      </p:ext>
+    </p:extLst>
+  </p:cSld>
+  <p:clrMapOvr>
+    <a:masterClrMapping/>
+  </p:clrMapOvr>
+</p:sld>
+</file>
+
+<file path=ppt/slides/slide15.xml><?xml version="1.0" encoding="utf-8"?>
+<p:sld xmlns:a="http://schemas.openxmlformats.org/drawingml/2006/main" xmlns:r="http://schemas.openxmlformats.org/officeDocument/2006/relationships" xmlns:p="http://schemas.openxmlformats.org/presentationml/2006/main">
+  <p:cSld>
+    <p:spTree>
+      <p:nvGrpSpPr>
+        <p:cNvPr id="1" name=""/>
+        <p:cNvGrpSpPr/>
+        <p:nvPr/>
+      </p:nvGrpSpPr>
+      <p:grpSpPr>
+        <a:xfrm>
+          <a:off x="0" y="0"/>
+          <a:ext cx="0" cy="0"/>
+          <a:chOff x="0" y="0"/>
+          <a:chExt cx="0" cy="0"/>
+        </a:xfrm>
+      </p:grpSpPr>
+      <p:pic>
+        <p:nvPicPr>
+          <p:cNvPr id="6" name="Picture 5">
+            <a:extLst>
+              <a:ext uri="{FF2B5EF4-FFF2-40B4-BE49-F238E27FC236}">
+                <a16:creationId xmlns:a16="http://schemas.microsoft.com/office/drawing/2014/main" id="{B76B16B0-E741-4038-BE76-6A8E7EBEDBDD}"/>
+              </a:ext>
+            </a:extLst>
+          </p:cNvPr>
+          <p:cNvPicPr>
+            <a:picLocks noChangeAspect="1"/>
+          </p:cNvPicPr>
+          <p:nvPr/>
+        </p:nvPicPr>
+        <p:blipFill>
+          <a:blip r:embed="rId2"/>
+          <a:stretch>
+            <a:fillRect/>
+          </a:stretch>
+        </p:blipFill>
+        <p:spPr>
+          <a:xfrm>
+            <a:off x="3014002" y="5653993"/>
+            <a:ext cx="8489022" cy="1204008"/>
+          </a:xfrm>
+          <a:prstGeom prst="rect">
+            <a:avLst/>
+          </a:prstGeom>
+        </p:spPr>
+      </p:pic>
+      <p:sp>
+        <p:nvSpPr>
+          <p:cNvPr id="2" name="Title 1">
+            <a:extLst>
+              <a:ext uri="{FF2B5EF4-FFF2-40B4-BE49-F238E27FC236}">
+                <a16:creationId xmlns:a16="http://schemas.microsoft.com/office/drawing/2014/main" id="{A991C1D3-B4EA-4108-980B-2AA2645E5491}"/>
+              </a:ext>
+            </a:extLst>
+          </p:cNvPr>
+          <p:cNvSpPr>
+            <a:spLocks noGrp="1"/>
+          </p:cNvSpPr>
+          <p:nvPr>
+            <p:ph type="title"/>
+          </p:nvPr>
+        </p:nvSpPr>
+        <p:spPr/>
+        <p:txBody>
+          <a:bodyPr/>
+          <a:lstStyle/>
+          <a:p>
+            <a:r>
+              <a:rPr lang="en-US" dirty="0"/>
+              <a:t>Machine Learning (KNN)</a:t>
+            </a:r>
+            <a:br>
+              <a:rPr lang="en-US" dirty="0"/>
+            </a:br>
+            <a:endParaRPr lang="en-US" dirty="0"/>
+          </a:p>
+        </p:txBody>
+      </p:sp>
+      <p:pic>
+        <p:nvPicPr>
+          <p:cNvPr id="5" name="Content Placeholder 4">
+            <a:extLst>
+              <a:ext uri="{FF2B5EF4-FFF2-40B4-BE49-F238E27FC236}">
+                <a16:creationId xmlns:a16="http://schemas.microsoft.com/office/drawing/2014/main" id="{92522033-3E13-486B-AFE8-D45FE663E3A7}"/>
+              </a:ext>
+            </a:extLst>
+          </p:cNvPr>
+          <p:cNvPicPr>
+            <a:picLocks noGrp="1" noChangeAspect="1"/>
+          </p:cNvPicPr>
+          <p:nvPr>
+            <p:ph idx="1"/>
+          </p:nvPr>
+        </p:nvPicPr>
+        <p:blipFill>
+          <a:blip r:embed="rId3"/>
+          <a:stretch>
+            <a:fillRect/>
+          </a:stretch>
+        </p:blipFill>
+        <p:spPr>
+          <a:xfrm>
+            <a:off x="5758875" y="1627168"/>
+            <a:ext cx="5744147" cy="4026825"/>
+          </a:xfrm>
+          <a:prstGeom prst="rect">
+            <a:avLst/>
+          </a:prstGeom>
+        </p:spPr>
+      </p:pic>
+      <p:pic>
+        <p:nvPicPr>
+          <p:cNvPr id="8" name="Picture 7">
+            <a:extLst>
+              <a:ext uri="{FF2B5EF4-FFF2-40B4-BE49-F238E27FC236}">
+                <a16:creationId xmlns:a16="http://schemas.microsoft.com/office/drawing/2014/main" id="{DFBD1418-71E5-4B8C-BBE0-41FEB1DF458E}"/>
+              </a:ext>
+            </a:extLst>
+          </p:cNvPr>
+          <p:cNvPicPr>
+            <a:picLocks noChangeAspect="1"/>
+          </p:cNvPicPr>
+          <p:nvPr/>
+        </p:nvPicPr>
+        <p:blipFill>
+          <a:blip r:embed="rId4"/>
+          <a:stretch>
+            <a:fillRect/>
+          </a:stretch>
+        </p:blipFill>
+        <p:spPr>
+          <a:xfrm>
+            <a:off x="3014002" y="1623989"/>
+            <a:ext cx="2744873" cy="4030004"/>
+          </a:xfrm>
+          <a:prstGeom prst="rect">
+            <a:avLst/>
+          </a:prstGeom>
+        </p:spPr>
+      </p:pic>
+      <p:sp>
+        <p:nvSpPr>
+          <p:cNvPr id="9" name="Rectangle 8">
+            <a:extLst>
+              <a:ext uri="{FF2B5EF4-FFF2-40B4-BE49-F238E27FC236}">
+                <a16:creationId xmlns:a16="http://schemas.microsoft.com/office/drawing/2014/main" id="{B3ED5FEA-0077-4C81-B7BA-29F9172025D3}"/>
+              </a:ext>
+            </a:extLst>
+          </p:cNvPr>
+          <p:cNvSpPr/>
+          <p:nvPr/>
+        </p:nvSpPr>
+        <p:spPr>
+          <a:xfrm>
+            <a:off x="10573265" y="5653993"/>
+            <a:ext cx="819665" cy="1112108"/>
+          </a:xfrm>
+          <a:prstGeom prst="rect">
+            <a:avLst/>
+          </a:prstGeom>
+          <a:noFill/>
+          <a:ln>
+            <a:solidFill>
+              <a:srgbClr val="FF0000"/>
+            </a:solidFill>
+          </a:ln>
+        </p:spPr>
+        <p:style>
+          <a:lnRef idx="2">
+            <a:schemeClr val="accent1">
+              <a:shade val="50000"/>
+            </a:schemeClr>
+          </a:lnRef>
+          <a:fillRef idx="1">
+            <a:schemeClr val="accent1"/>
+          </a:fillRef>
+          <a:effectRef idx="0">
+            <a:schemeClr val="accent1"/>
+          </a:effectRef>
+          <a:fontRef idx="minor">
+            <a:schemeClr val="lt1"/>
+          </a:fontRef>
+        </p:style>
+        <p:txBody>
+          <a:bodyPr rtlCol="0" anchor="ctr"/>
+          <a:lstStyle/>
+          <a:p>
+            <a:pPr algn="ctr"/>
+            <a:endParaRPr lang="en-US"/>
+          </a:p>
+        </p:txBody>
+      </p:sp>
+      <p:sp>
+        <p:nvSpPr>
+          <p:cNvPr id="10" name="Rectangle 9">
+            <a:extLst>
+              <a:ext uri="{FF2B5EF4-FFF2-40B4-BE49-F238E27FC236}">
+                <a16:creationId xmlns:a16="http://schemas.microsoft.com/office/drawing/2014/main" id="{DF337850-A4EF-46AD-99D5-C163E68661D0}"/>
+              </a:ext>
+            </a:extLst>
+          </p:cNvPr>
+          <p:cNvSpPr/>
+          <p:nvPr/>
+        </p:nvSpPr>
+        <p:spPr>
+          <a:xfrm>
+            <a:off x="3830595" y="4090085"/>
+            <a:ext cx="1445740" cy="359899"/>
+          </a:xfrm>
+          <a:prstGeom prst="rect">
+            <a:avLst/>
+          </a:prstGeom>
+          <a:noFill/>
+          <a:ln>
+            <a:solidFill>
+              <a:srgbClr val="FF0000"/>
+            </a:solidFill>
+          </a:ln>
+        </p:spPr>
+        <p:style>
+          <a:lnRef idx="2">
+            <a:schemeClr val="accent1">
+              <a:shade val="50000"/>
+            </a:schemeClr>
+          </a:lnRef>
+          <a:fillRef idx="1">
+            <a:schemeClr val="accent1"/>
+          </a:fillRef>
+          <a:effectRef idx="0">
+            <a:schemeClr val="accent1"/>
+          </a:effectRef>
+          <a:fontRef idx="minor">
+            <a:schemeClr val="lt1"/>
+          </a:fontRef>
+        </p:style>
+        <p:txBody>
+          <a:bodyPr rtlCol="0" anchor="ctr"/>
+          <a:lstStyle/>
+          <a:p>
+            <a:pPr algn="ctr"/>
+            <a:endParaRPr lang="en-US"/>
+          </a:p>
+        </p:txBody>
+      </p:sp>
+      <p:sp>
+        <p:nvSpPr>
+          <p:cNvPr id="11" name="Rectangle 10">
+            <a:extLst>
+              <a:ext uri="{FF2B5EF4-FFF2-40B4-BE49-F238E27FC236}">
+                <a16:creationId xmlns:a16="http://schemas.microsoft.com/office/drawing/2014/main" id="{F3BA84CD-55E8-45DF-9788-CB4D20967B30}"/>
+              </a:ext>
+            </a:extLst>
+          </p:cNvPr>
+          <p:cNvSpPr/>
+          <p:nvPr/>
+        </p:nvSpPr>
+        <p:spPr>
+          <a:xfrm>
+            <a:off x="3830595" y="2706126"/>
+            <a:ext cx="1928278" cy="359899"/>
+          </a:xfrm>
+          <a:prstGeom prst="rect">
+            <a:avLst/>
+          </a:prstGeom>
+          <a:noFill/>
+          <a:ln>
+            <a:solidFill>
+              <a:srgbClr val="FF0000"/>
+            </a:solidFill>
+          </a:ln>
+        </p:spPr>
+        <p:style>
+          <a:lnRef idx="2">
+            <a:schemeClr val="accent1">
+              <a:shade val="50000"/>
+            </a:schemeClr>
+          </a:lnRef>
+          <a:fillRef idx="1">
+            <a:schemeClr val="accent1"/>
+          </a:fillRef>
+          <a:effectRef idx="0">
+            <a:schemeClr val="accent1"/>
+          </a:effectRef>
+          <a:fontRef idx="minor">
+            <a:schemeClr val="lt1"/>
+          </a:fontRef>
+        </p:style>
+        <p:txBody>
+          <a:bodyPr rtlCol="0" anchor="ctr"/>
+          <a:lstStyle/>
+          <a:p>
+            <a:pPr algn="ctr"/>
+            <a:endParaRPr lang="en-US"/>
+          </a:p>
+        </p:txBody>
+      </p:sp>
+    </p:spTree>
+    <p:extLst>
+      <p:ext uri="{BB962C8B-B14F-4D97-AF65-F5344CB8AC3E}">
+        <p14:creationId xmlns:p14="http://schemas.microsoft.com/office/powerpoint/2010/main" val="808076046"/>
       </p:ext>
     </p:extLst>
   </p:cSld>
